--- a/Tutorial 1 Getting started.pptx
+++ b/Tutorial 1 Getting started.pptx
@@ -149,68 +149,6 @@
 <file path=ppt/changesInfos/changesInfo1.xml><?xml version="1.0" encoding="utf-8"?>
 <pc:chgInfo xmlns:a="http://schemas.openxmlformats.org/drawingml/2006/main" xmlns:r="http://schemas.openxmlformats.org/officeDocument/2006/relationships" xmlns:ac="http://schemas.microsoft.com/office/drawing/2013/main/command" xmlns:pc="http://schemas.microsoft.com/office/powerpoint/2013/main/command">
   <pc:docChgLst>
-    <pc:chgData name="Matthew Gerges" userId="e2be48d3-5e8e-45fd-a90a-d7ef081397bd" providerId="ADAL" clId="{0B7BEC3C-41AF-4EC7-9B40-19640CA4E79A}"/>
-    <pc:docChg chg="custSel modSld">
-      <pc:chgData name="Matthew Gerges" userId="e2be48d3-5e8e-45fd-a90a-d7ef081397bd" providerId="ADAL" clId="{0B7BEC3C-41AF-4EC7-9B40-19640CA4E79A}" dt="2022-02-18T02:36:22.818" v="31" actId="6549"/>
-      <pc:docMkLst>
-        <pc:docMk/>
-      </pc:docMkLst>
-      <pc:sldChg chg="modSp mod">
-        <pc:chgData name="Matthew Gerges" userId="e2be48d3-5e8e-45fd-a90a-d7ef081397bd" providerId="ADAL" clId="{0B7BEC3C-41AF-4EC7-9B40-19640CA4E79A}" dt="2022-02-18T02:35:50.033" v="27" actId="6549"/>
-        <pc:sldMkLst>
-          <pc:docMk/>
-          <pc:sldMk cId="3042826300" sldId="265"/>
-        </pc:sldMkLst>
-        <pc:spChg chg="mod">
-          <ac:chgData name="Matthew Gerges" userId="e2be48d3-5e8e-45fd-a90a-d7ef081397bd" providerId="ADAL" clId="{0B7BEC3C-41AF-4EC7-9B40-19640CA4E79A}" dt="2022-02-18T02:35:50.033" v="27" actId="6549"/>
-          <ac:spMkLst>
-            <pc:docMk/>
-            <pc:sldMk cId="3042826300" sldId="265"/>
-            <ac:spMk id="14" creationId="{00000000-0000-0000-0000-000000000000}"/>
-          </ac:spMkLst>
-        </pc:spChg>
-      </pc:sldChg>
-      <pc:sldChg chg="delSp mod">
-        <pc:chgData name="Matthew Gerges" userId="e2be48d3-5e8e-45fd-a90a-d7ef081397bd" providerId="ADAL" clId="{0B7BEC3C-41AF-4EC7-9B40-19640CA4E79A}" dt="2022-02-18T02:33:58.127" v="1" actId="478"/>
-        <pc:sldMkLst>
-          <pc:docMk/>
-          <pc:sldMk cId="2131478899" sldId="287"/>
-        </pc:sldMkLst>
-        <pc:spChg chg="del">
-          <ac:chgData name="Matthew Gerges" userId="e2be48d3-5e8e-45fd-a90a-d7ef081397bd" providerId="ADAL" clId="{0B7BEC3C-41AF-4EC7-9B40-19640CA4E79A}" dt="2022-02-18T02:33:58.127" v="1" actId="478"/>
-          <ac:spMkLst>
-            <pc:docMk/>
-            <pc:sldMk cId="2131478899" sldId="287"/>
-            <ac:spMk id="2" creationId="{67F66F8A-0818-4D4B-A39F-8A1848647F03}"/>
-          </ac:spMkLst>
-        </pc:spChg>
-        <pc:spChg chg="del">
-          <ac:chgData name="Matthew Gerges" userId="e2be48d3-5e8e-45fd-a90a-d7ef081397bd" providerId="ADAL" clId="{0B7BEC3C-41AF-4EC7-9B40-19640CA4E79A}" dt="2022-02-18T02:33:55.471" v="0" actId="478"/>
-          <ac:spMkLst>
-            <pc:docMk/>
-            <pc:sldMk cId="2131478899" sldId="287"/>
-            <ac:spMk id="3" creationId="{60FACFA5-3616-4867-AD53-F37487826F54}"/>
-          </ac:spMkLst>
-        </pc:spChg>
-      </pc:sldChg>
-      <pc:sldChg chg="modSp mod">
-        <pc:chgData name="Matthew Gerges" userId="e2be48d3-5e8e-45fd-a90a-d7ef081397bd" providerId="ADAL" clId="{0B7BEC3C-41AF-4EC7-9B40-19640CA4E79A}" dt="2022-02-18T02:36:22.818" v="31" actId="6549"/>
-        <pc:sldMkLst>
-          <pc:docMk/>
-          <pc:sldMk cId="15612022" sldId="289"/>
-        </pc:sldMkLst>
-        <pc:spChg chg="mod">
-          <ac:chgData name="Matthew Gerges" userId="e2be48d3-5e8e-45fd-a90a-d7ef081397bd" providerId="ADAL" clId="{0B7BEC3C-41AF-4EC7-9B40-19640CA4E79A}" dt="2022-02-18T02:36:22.818" v="31" actId="6549"/>
-          <ac:spMkLst>
-            <pc:docMk/>
-            <pc:sldMk cId="15612022" sldId="289"/>
-            <ac:spMk id="3" creationId="{AB8A2A65-F62F-4BDD-A08A-A0A15E9E8C7F}"/>
-          </ac:spMkLst>
-        </pc:spChg>
-      </pc:sldChg>
-    </pc:docChg>
-  </pc:docChgLst>
-  <pc:docChgLst>
     <pc:chgData name="Matthew Gerges" userId="e2be48d3-5e8e-45fd-a90a-d7ef081397bd" providerId="ADAL" clId="{7FF3F68D-80C8-47F3-91B8-FC17BE5358DE}"/>
     <pc:docChg chg="undo custSel addSld modSld">
       <pc:chgData name="Matthew Gerges" userId="e2be48d3-5e8e-45fd-a90a-d7ef081397bd" providerId="ADAL" clId="{7FF3F68D-80C8-47F3-91B8-FC17BE5358DE}" dt="2022-02-09T02:54:51.739" v="120" actId="20577"/>
@@ -290,6 +228,68 @@
             <pc:docMk/>
             <pc:sldMk cId="15612022" sldId="289"/>
             <ac:spMk id="2" creationId="{608DE9C4-F6BA-4675-81A0-CF482A5B61DB}"/>
+          </ac:spMkLst>
+        </pc:spChg>
+      </pc:sldChg>
+    </pc:docChg>
+  </pc:docChgLst>
+  <pc:docChgLst>
+    <pc:chgData name="Matthew Gerges" userId="e2be48d3-5e8e-45fd-a90a-d7ef081397bd" providerId="ADAL" clId="{0B7BEC3C-41AF-4EC7-9B40-19640CA4E79A}"/>
+    <pc:docChg chg="custSel modSld">
+      <pc:chgData name="Matthew Gerges" userId="e2be48d3-5e8e-45fd-a90a-d7ef081397bd" providerId="ADAL" clId="{0B7BEC3C-41AF-4EC7-9B40-19640CA4E79A}" dt="2022-02-18T02:36:22.818" v="31" actId="6549"/>
+      <pc:docMkLst>
+        <pc:docMk/>
+      </pc:docMkLst>
+      <pc:sldChg chg="modSp mod">
+        <pc:chgData name="Matthew Gerges" userId="e2be48d3-5e8e-45fd-a90a-d7ef081397bd" providerId="ADAL" clId="{0B7BEC3C-41AF-4EC7-9B40-19640CA4E79A}" dt="2022-02-18T02:35:50.033" v="27" actId="6549"/>
+        <pc:sldMkLst>
+          <pc:docMk/>
+          <pc:sldMk cId="3042826300" sldId="265"/>
+        </pc:sldMkLst>
+        <pc:spChg chg="mod">
+          <ac:chgData name="Matthew Gerges" userId="e2be48d3-5e8e-45fd-a90a-d7ef081397bd" providerId="ADAL" clId="{0B7BEC3C-41AF-4EC7-9B40-19640CA4E79A}" dt="2022-02-18T02:35:50.033" v="27" actId="6549"/>
+          <ac:spMkLst>
+            <pc:docMk/>
+            <pc:sldMk cId="3042826300" sldId="265"/>
+            <ac:spMk id="14" creationId="{00000000-0000-0000-0000-000000000000}"/>
+          </ac:spMkLst>
+        </pc:spChg>
+      </pc:sldChg>
+      <pc:sldChg chg="delSp mod">
+        <pc:chgData name="Matthew Gerges" userId="e2be48d3-5e8e-45fd-a90a-d7ef081397bd" providerId="ADAL" clId="{0B7BEC3C-41AF-4EC7-9B40-19640CA4E79A}" dt="2022-02-18T02:33:58.127" v="1" actId="478"/>
+        <pc:sldMkLst>
+          <pc:docMk/>
+          <pc:sldMk cId="2131478899" sldId="287"/>
+        </pc:sldMkLst>
+        <pc:spChg chg="del">
+          <ac:chgData name="Matthew Gerges" userId="e2be48d3-5e8e-45fd-a90a-d7ef081397bd" providerId="ADAL" clId="{0B7BEC3C-41AF-4EC7-9B40-19640CA4E79A}" dt="2022-02-18T02:33:58.127" v="1" actId="478"/>
+          <ac:spMkLst>
+            <pc:docMk/>
+            <pc:sldMk cId="2131478899" sldId="287"/>
+            <ac:spMk id="2" creationId="{67F66F8A-0818-4D4B-A39F-8A1848647F03}"/>
+          </ac:spMkLst>
+        </pc:spChg>
+        <pc:spChg chg="del">
+          <ac:chgData name="Matthew Gerges" userId="e2be48d3-5e8e-45fd-a90a-d7ef081397bd" providerId="ADAL" clId="{0B7BEC3C-41AF-4EC7-9B40-19640CA4E79A}" dt="2022-02-18T02:33:55.471" v="0" actId="478"/>
+          <ac:spMkLst>
+            <pc:docMk/>
+            <pc:sldMk cId="2131478899" sldId="287"/>
+            <ac:spMk id="3" creationId="{60FACFA5-3616-4867-AD53-F37487826F54}"/>
+          </ac:spMkLst>
+        </pc:spChg>
+      </pc:sldChg>
+      <pc:sldChg chg="modSp mod">
+        <pc:chgData name="Matthew Gerges" userId="e2be48d3-5e8e-45fd-a90a-d7ef081397bd" providerId="ADAL" clId="{0B7BEC3C-41AF-4EC7-9B40-19640CA4E79A}" dt="2022-02-18T02:36:22.818" v="31" actId="6549"/>
+        <pc:sldMkLst>
+          <pc:docMk/>
+          <pc:sldMk cId="15612022" sldId="289"/>
+        </pc:sldMkLst>
+        <pc:spChg chg="mod">
+          <ac:chgData name="Matthew Gerges" userId="e2be48d3-5e8e-45fd-a90a-d7ef081397bd" providerId="ADAL" clId="{0B7BEC3C-41AF-4EC7-9B40-19640CA4E79A}" dt="2022-02-18T02:36:22.818" v="31" actId="6549"/>
+          <ac:spMkLst>
+            <pc:docMk/>
+            <pc:sldMk cId="15612022" sldId="289"/>
+            <ac:spMk id="3" creationId="{AB8A2A65-F62F-4BDD-A08A-A0A15E9E8C7F}"/>
           </ac:spMkLst>
         </pc:spChg>
       </pc:sldChg>
@@ -4984,15 +4984,12 @@
           <a:bodyPr/>
           <a:lstStyle/>
           <a:p>
-            <a:endParaRPr lang="en-AU" dirty="0"/>
-          </a:p>
-          <a:p>
             <a:pPr marL="0" indent="0">
               <a:buNone/>
             </a:pPr>
             <a:r>
               <a:rPr lang="en-AU" dirty="0"/>
-              <a:t>https://github.com/phys3112/Tutorials-with-Matt</a:t>
+              <a:t>All tutorial slides and notebooks are uploaded to GitHub:</a:t>
             </a:r>
           </a:p>
           <a:p>
@@ -5000,8 +4997,20 @@
               <a:buNone/>
             </a:pPr>
             <a:r>
+              <a:rPr lang="en-AU" dirty="0">
+                <a:hlinkClick r:id="rId2"/>
+              </a:rPr>
+              <a:t>https://github.com/phys3112/Tutorials-with-Matt</a:t>
+            </a:r>
+            <a:endParaRPr lang="en-AU" dirty="0"/>
+          </a:p>
+          <a:p>
+            <a:pPr marL="0" indent="0">
+              <a:buNone/>
+            </a:pPr>
+            <a:r>
               <a:rPr lang="en-AU" dirty="0"/>
-              <a:t>Let’s use Michael’s Intro notebook.</a:t>
+              <a:t>Michael Ashley also has a GitHub repository with some useful notes, for example the intro notebook is a good place to start for beginners.</a:t>
             </a:r>
           </a:p>
           <a:p>
@@ -5096,7 +5105,7 @@
           <a:p>
             <a:r>
               <a:rPr lang="en-AU" dirty="0"/>
-              <a:t>Please don’t go until you have gotten </a:t>
+              <a:t>Please don’t go until you have gotten access to </a:t>
             </a:r>
             <a:r>
               <a:rPr lang="en-AU" dirty="0" err="1"/>
@@ -5104,7 +5113,7 @@
             </a:r>
             <a:r>
               <a:rPr lang="en-AU" dirty="0"/>
-              <a:t> access and installed anaconda.</a:t>
+              <a:t> and installed anaconda.</a:t>
             </a:r>
           </a:p>
           <a:p>
@@ -5260,7 +5269,7 @@
             <a:pPr lvl="1"/>
             <a:r>
               <a:rPr lang="en-AU" dirty="0"/>
-              <a:t>15 Minute Presentation on Topic / Challenge of the Week</a:t>
+              <a:t>15 Minute Presentation on Topic </a:t>
             </a:r>
           </a:p>
           <a:p>
@@ -7481,6 +7490,15 @@
 </file>
 
 <file path=customXml/item1.xml><?xml version="1.0" encoding="utf-8"?>
+<?mso-contentType ?>
+<FormTemplates xmlns="http://schemas.microsoft.com/sharepoint/v3/contenttype/forms">
+  <Display>DocumentLibraryForm</Display>
+  <Edit>AssetEditForm</Edit>
+  <New>DocumentLibraryForm</New>
+</FormTemplates>
+</file>
+
+<file path=customXml/item2.xml><?xml version="1.0" encoding="utf-8"?>
 <ct:contentTypeSchema xmlns:ct="http://schemas.microsoft.com/office/2006/metadata/contentType" xmlns:ma="http://schemas.microsoft.com/office/2006/metadata/properties/metaAttributes" ct:_="" ma:_="" ma:contentTypeName="TemplateFile" ma:contentTypeID="0x0101006EDDDB5EE6D98C44930B742096920B300400F5B6D36B3EF94B4E9A635CDF2A18F5B8" ma:contentTypeVersion="72" ma:contentTypeDescription="Create a new document." ma:contentTypeScope="" ma:versionID="a23e56308344d904b51738559c3d67c9">
   <xsd:schema xmlns:xsd="http://www.w3.org/2001/XMLSchema" xmlns:xs="http://www.w3.org/2001/XMLSchema" xmlns:p="http://schemas.microsoft.com/office/2006/metadata/properties" xmlns:ns2="4873beb7-5857-4685-be1f-d57550cc96cc" targetNamespace="http://schemas.microsoft.com/office/2006/metadata/properties" ma:root="true" ma:fieldsID="cd0908cc4600e77bf5da051303e00c8d" ns2:_="">
     <xsd:import namespace="4873beb7-5857-4685-be1f-d57550cc96cc"/>
@@ -8520,15 +8538,6 @@
 </ct:contentTypeSchema>
 </file>
 
-<file path=customXml/item2.xml><?xml version="1.0" encoding="utf-8"?>
-<?mso-contentType ?>
-<FormTemplates xmlns="http://schemas.microsoft.com/sharepoint/v3/contenttype/forms">
-  <Display>DocumentLibraryForm</Display>
-  <Edit>AssetEditForm</Edit>
-  <New>DocumentLibraryForm</New>
-</FormTemplates>
-</file>
-
 <file path=customXml/item3.xml><?xml version="1.0" encoding="utf-8"?>
 <p:properties xmlns:p="http://schemas.microsoft.com/office/2006/metadata/properties" xmlns:xsi="http://www.w3.org/2001/XMLSchema-instance" xmlns:pc="http://schemas.microsoft.com/office/infopath/2007/PartnerControls">
   <documentManagement>
@@ -8656,6 +8665,14 @@
 </file>
 
 <file path=customXml/itemProps1.xml><?xml version="1.0" encoding="utf-8"?>
+<ds:datastoreItem xmlns:ds="http://schemas.openxmlformats.org/officeDocument/2006/customXml" ds:itemID="{746CFF6F-D9AA-4BC0-911A-0A1356771912}">
+  <ds:schemaRefs>
+    <ds:schemaRef ds:uri="http://schemas.microsoft.com/sharepoint/v3/contenttype/forms"/>
+  </ds:schemaRefs>
+</ds:datastoreItem>
+</file>
+
+<file path=customXml/itemProps2.xml><?xml version="1.0" encoding="utf-8"?>
 <ds:datastoreItem xmlns:ds="http://schemas.openxmlformats.org/officeDocument/2006/customXml" ds:itemID="{0B5C6E15-39DC-470B-9445-F754B9458020}">
   <ds:schemaRefs>
     <ds:schemaRef ds:uri="http://schemas.microsoft.com/office/2006/metadata/contentType"/>
@@ -8669,14 +8686,6 @@
     <ds:schemaRef ds:uri="http://purl.org/dc/elements/1.1/"/>
     <ds:schemaRef ds:uri="http://purl.org/dc/terms/"/>
     <ds:schemaRef ds:uri="http://schemas.microsoft.com/internal/obd"/>
-  </ds:schemaRefs>
-</ds:datastoreItem>
-</file>
-
-<file path=customXml/itemProps2.xml><?xml version="1.0" encoding="utf-8"?>
-<ds:datastoreItem xmlns:ds="http://schemas.openxmlformats.org/officeDocument/2006/customXml" ds:itemID="{746CFF6F-D9AA-4BC0-911A-0A1356771912}">
-  <ds:schemaRefs>
-    <ds:schemaRef ds:uri="http://schemas.microsoft.com/sharepoint/v3/contenttype/forms"/>
   </ds:schemaRefs>
 </ds:datastoreItem>
 </file>

--- a/Tutorial 1 Getting started.pptx
+++ b/Tutorial 1 Getting started.pptx
@@ -5,10 +5,10 @@
     <p:sldMasterId id="2147483648" r:id="rId4"/>
   </p:sldMasterIdLst>
   <p:notesMasterIdLst>
-    <p:notesMasterId r:id="rId20"/>
+    <p:notesMasterId r:id="rId21"/>
   </p:notesMasterIdLst>
   <p:handoutMasterIdLst>
-    <p:handoutMasterId r:id="rId21"/>
+    <p:handoutMasterId r:id="rId22"/>
   </p:handoutMasterIdLst>
   <p:sldIdLst>
     <p:sldId id="256" r:id="rId5"/>
@@ -24,8 +24,9 @@
     <p:sldId id="283" r:id="rId15"/>
     <p:sldId id="286" r:id="rId16"/>
     <p:sldId id="288" r:id="rId17"/>
-    <p:sldId id="289" r:id="rId18"/>
-    <p:sldId id="285" r:id="rId19"/>
+    <p:sldId id="290" r:id="rId18"/>
+    <p:sldId id="289" r:id="rId19"/>
+    <p:sldId id="285" r:id="rId20"/>
   </p:sldIdLst>
   <p:sldSz cx="12192000" cy="6858000"/>
   <p:notesSz cx="6858000" cy="9144000"/>
@@ -380,7 +381,7 @@
           <a:p>
             <a:fld id="{762B48F5-BACC-47D6-A0F7-82FBF9C6BC85}" type="datetimeFigureOut">
               <a:rPr lang="en-US"/>
-              <a:t>2/18/2022</a:t>
+              <a:t>2/16/2024</a:t>
             </a:fld>
             <a:endParaRPr/>
           </a:p>
@@ -545,7 +546,7 @@
           <a:p>
             <a:fld id="{0CB1CD00-5424-4675-AB18-2C419B060449}" type="datetimeFigureOut">
               <a:rPr lang="en-US"/>
-              <a:t>2/18/2022</a:t>
+              <a:t>2/16/2024</a:t>
             </a:fld>
             <a:endParaRPr/>
           </a:p>
@@ -1117,6 +1118,115 @@
 </p:notes>
 </file>
 
+<file path=ppt/notesSlides/notesSlide4.xml><?xml version="1.0" encoding="utf-8"?>
+<p:notes xmlns:a="http://schemas.openxmlformats.org/drawingml/2006/main" xmlns:r="http://schemas.openxmlformats.org/officeDocument/2006/relationships" xmlns:p="http://schemas.openxmlformats.org/presentationml/2006/main">
+  <p:cSld>
+    <p:spTree>
+      <p:nvGrpSpPr>
+        <p:cNvPr id="1" name=""/>
+        <p:cNvGrpSpPr/>
+        <p:nvPr/>
+      </p:nvGrpSpPr>
+      <p:grpSpPr>
+        <a:xfrm>
+          <a:off x="0" y="0"/>
+          <a:ext cx="0" cy="0"/>
+          <a:chOff x="0" y="0"/>
+          <a:chExt cx="0" cy="0"/>
+        </a:xfrm>
+      </p:grpSpPr>
+      <p:sp>
+        <p:nvSpPr>
+          <p:cNvPr id="2" name="Slide Image Placeholder 1"/>
+          <p:cNvSpPr>
+            <a:spLocks noGrp="1" noRot="1" noChangeAspect="1"/>
+          </p:cNvSpPr>
+          <p:nvPr>
+            <p:ph type="sldImg"/>
+          </p:nvPr>
+        </p:nvSpPr>
+        <p:spPr/>
+      </p:sp>
+      <p:sp>
+        <p:nvSpPr>
+          <p:cNvPr id="3" name="Notes Placeholder 2"/>
+          <p:cNvSpPr>
+            <a:spLocks noGrp="1"/>
+          </p:cNvSpPr>
+          <p:nvPr>
+            <p:ph type="body" idx="1"/>
+          </p:nvPr>
+        </p:nvSpPr>
+        <p:spPr/>
+        <p:txBody>
+          <a:bodyPr/>
+          <a:lstStyle/>
+          <a:p>
+            <a:r>
+              <a:rPr lang="en-US" dirty="0" err="1"/>
+              <a:t>Chatgpt</a:t>
+            </a:r>
+            <a:r>
+              <a:rPr lang="en-US" dirty="0"/>
+              <a:t> </a:t>
+            </a:r>
+            <a:r>
+              <a:rPr lang="en-AU" dirty="0"/>
+              <a:t>vs </a:t>
+            </a:r>
+            <a:r>
+              <a:rPr lang="en-AU" dirty="0" err="1"/>
+              <a:t>gemini</a:t>
+            </a:r>
+            <a:endParaRPr lang="en-AU" dirty="0"/>
+          </a:p>
+          <a:p>
+            <a:r>
+              <a:rPr lang="en-AU" dirty="0"/>
+              <a:t>Make you a bad programmer</a:t>
+            </a:r>
+          </a:p>
+          <a:p>
+            <a:endParaRPr lang="en-US" dirty="0"/>
+          </a:p>
+        </p:txBody>
+      </p:sp>
+      <p:sp>
+        <p:nvSpPr>
+          <p:cNvPr id="4" name="Slide Number Placeholder 3"/>
+          <p:cNvSpPr>
+            <a:spLocks noGrp="1"/>
+          </p:cNvSpPr>
+          <p:nvPr>
+            <p:ph type="sldNum" sz="quarter" idx="5"/>
+          </p:nvPr>
+        </p:nvSpPr>
+        <p:spPr/>
+        <p:txBody>
+          <a:bodyPr/>
+          <a:lstStyle/>
+          <a:p>
+            <a:fld id="{5EE2CF44-2B13-41B4-A334-1CDF534EEBBF}" type="slidenum">
+              <a:rPr lang="en-AU" smtClean="0"/>
+              <a:t>14</a:t>
+            </a:fld>
+            <a:endParaRPr lang="en-AU"/>
+          </a:p>
+        </p:txBody>
+      </p:sp>
+    </p:spTree>
+    <p:extLst>
+      <p:ext uri="{BB962C8B-B14F-4D97-AF65-F5344CB8AC3E}">
+        <p14:creationId xmlns:p14="http://schemas.microsoft.com/office/powerpoint/2010/main" val="147799116"/>
+      </p:ext>
+    </p:extLst>
+  </p:cSld>
+  <p:clrMapOvr>
+    <a:masterClrMapping/>
+  </p:clrMapOvr>
+</p:notes>
+</file>
+
 <file path=ppt/slideLayouts/slideLayout1.xml><?xml version="1.0" encoding="utf-8"?>
 <p:sldLayout xmlns:a="http://schemas.openxmlformats.org/drawingml/2006/main" xmlns:r="http://schemas.openxmlformats.org/officeDocument/2006/relationships" xmlns:p="http://schemas.openxmlformats.org/presentationml/2006/main" type="title" preserve="1">
   <p:cSld name="Title Slide">
@@ -1500,7 +1610,7 @@
           <a:p>
             <a:fld id="{37CC0096-1860-4642-9CD2-0079EA5E7CD1}" type="datetimeFigureOut">
               <a:rPr lang="en-US" smtClean="0"/>
-              <a:t>2/18/2022</a:t>
+              <a:t>2/16/2024</a:t>
             </a:fld>
             <a:endParaRPr lang="en-US"/>
           </a:p>
@@ -1679,7 +1789,7 @@
           <a:p>
             <a:fld id="{37CC0096-1860-4642-9CD2-0079EA5E7CD1}" type="datetimeFigureOut">
               <a:rPr lang="en-US" smtClean="0"/>
-              <a:t>2/18/2022</a:t>
+              <a:t>2/16/2024</a:t>
             </a:fld>
             <a:endParaRPr lang="en-US"/>
           </a:p>
@@ -1852,7 +1962,7 @@
           <a:p>
             <a:fld id="{37CC0096-1860-4642-9CD2-0079EA5E7CD1}" type="datetimeFigureOut">
               <a:rPr lang="en-US" smtClean="0"/>
-              <a:t>2/18/2022</a:t>
+              <a:t>2/16/2024</a:t>
             </a:fld>
             <a:endParaRPr lang="en-US"/>
           </a:p>
@@ -2285,7 +2395,7 @@
           <a:p>
             <a:fld id="{37CC0096-1860-4642-9CD2-0079EA5E7CD1}" type="datetimeFigureOut">
               <a:rPr lang="en-US" smtClean="0"/>
-              <a:t>2/18/2022</a:t>
+              <a:t>2/16/2024</a:t>
             </a:fld>
             <a:endParaRPr lang="en-US"/>
           </a:p>
@@ -2724,7 +2834,7 @@
           <a:p>
             <a:fld id="{37CC0096-1860-4642-9CD2-0079EA5E7CD1}" type="datetimeFigureOut">
               <a:rPr lang="en-US" smtClean="0"/>
-              <a:t>2/18/2022</a:t>
+              <a:t>2/16/2024</a:t>
             </a:fld>
             <a:endParaRPr lang="en-US"/>
           </a:p>
@@ -2841,7 +2951,7 @@
           <a:p>
             <a:fld id="{37CC0096-1860-4642-9CD2-0079EA5E7CD1}" type="datetimeFigureOut">
               <a:rPr lang="en-US" smtClean="0"/>
-              <a:t>2/18/2022</a:t>
+              <a:t>2/16/2024</a:t>
             </a:fld>
             <a:endParaRPr lang="en-US"/>
           </a:p>
@@ -2936,7 +3046,7 @@
           <a:p>
             <a:fld id="{37CC0096-1860-4642-9CD2-0079EA5E7CD1}" type="datetimeFigureOut">
               <a:rPr lang="en-US" smtClean="0"/>
-              <a:t>2/18/2022</a:t>
+              <a:t>2/16/2024</a:t>
             </a:fld>
             <a:endParaRPr lang="en-US"/>
           </a:p>
@@ -3220,7 +3330,7 @@
           <a:p>
             <a:fld id="{37CC0096-1860-4642-9CD2-0079EA5E7CD1}" type="datetimeFigureOut">
               <a:rPr lang="en-US" smtClean="0"/>
-              <a:t>2/18/2022</a:t>
+              <a:t>2/16/2024</a:t>
             </a:fld>
             <a:endParaRPr lang="en-US"/>
           </a:p>
@@ -3531,7 +3641,7 @@
           <a:p>
             <a:fld id="{37CC0096-1860-4642-9CD2-0079EA5E7CD1}" type="datetimeFigureOut">
               <a:rPr lang="en-US" smtClean="0"/>
-              <a:t>2/18/2022</a:t>
+              <a:t>2/16/2024</a:t>
             </a:fld>
             <a:endParaRPr lang="en-US"/>
           </a:p>
@@ -3763,7 +3873,7 @@
             <a:fld id="{37CC0096-1860-4642-9CD2-0079EA5E7CD1}" type="datetimeFigureOut">
               <a:rPr lang="en-US" smtClean="0"/>
               <a:pPr/>
-              <a:t>2/18/2022</a:t>
+              <a:t>2/16/2024</a:t>
             </a:fld>
             <a:endParaRPr lang="en-US"/>
           </a:p>
@@ -4940,6 +5050,162 @@
           <p:cNvPr id="2" name="Title 1">
             <a:extLst>
               <a:ext uri="{FF2B5EF4-FFF2-40B4-BE49-F238E27FC236}">
+                <a16:creationId xmlns:a16="http://schemas.microsoft.com/office/drawing/2014/main" id="{4F660A64-06BB-7908-AE38-CA528654D8E2}"/>
+              </a:ext>
+            </a:extLst>
+          </p:cNvPr>
+          <p:cNvSpPr>
+            <a:spLocks noGrp="1"/>
+          </p:cNvSpPr>
+          <p:nvPr>
+            <p:ph type="title"/>
+          </p:nvPr>
+        </p:nvSpPr>
+        <p:spPr/>
+        <p:txBody>
+          <a:bodyPr>
+            <a:normAutofit/>
+          </a:bodyPr>
+          <a:lstStyle/>
+          <a:p>
+            <a:pPr algn="ctr"/>
+            <a:r>
+              <a:rPr lang="en-US" sz="4800" dirty="0"/>
+              <a:t>A word on AI</a:t>
+            </a:r>
+            <a:endParaRPr lang="en-AU" sz="4800" dirty="0"/>
+          </a:p>
+        </p:txBody>
+      </p:sp>
+      <p:pic>
+        <p:nvPicPr>
+          <p:cNvPr id="1026" name="Picture 2" descr="Gemini (language model) - Wikipedia">
+            <a:extLst>
+              <a:ext uri="{FF2B5EF4-FFF2-40B4-BE49-F238E27FC236}">
+                <a16:creationId xmlns:a16="http://schemas.microsoft.com/office/drawing/2014/main" id="{6A7B01E1-EE72-4652-63CE-DDAAEE96BB40}"/>
+              </a:ext>
+            </a:extLst>
+          </p:cNvPr>
+          <p:cNvPicPr>
+            <a:picLocks noChangeAspect="1" noChangeArrowheads="1"/>
+          </p:cNvPicPr>
+          <p:nvPr/>
+        </p:nvPicPr>
+        <p:blipFill>
+          <a:blip r:embed="rId3">
+            <a:extLst>
+              <a:ext uri="{28A0092B-C50C-407E-A947-70E740481C1C}">
+                <a14:useLocalDpi xmlns:a14="http://schemas.microsoft.com/office/drawing/2010/main" val="0"/>
+              </a:ext>
+            </a:extLst>
+          </a:blip>
+          <a:srcRect/>
+          <a:stretch>
+            <a:fillRect/>
+          </a:stretch>
+        </p:blipFill>
+        <p:spPr bwMode="auto">
+          <a:xfrm>
+            <a:off x="5375920" y="3212975"/>
+            <a:ext cx="6186264" cy="2281185"/>
+          </a:xfrm>
+          <a:prstGeom prst="rect">
+            <a:avLst/>
+          </a:prstGeom>
+          <a:noFill/>
+          <a:extLst>
+            <a:ext uri="{909E8E84-426E-40DD-AFC4-6F175D3DCCD1}">
+              <a14:hiddenFill xmlns:a14="http://schemas.microsoft.com/office/drawing/2010/main">
+                <a:solidFill>
+                  <a:srgbClr val="FFFFFF"/>
+                </a:solidFill>
+              </a14:hiddenFill>
+            </a:ext>
+          </a:extLst>
+        </p:spPr>
+      </p:pic>
+      <p:pic>
+        <p:nvPicPr>
+          <p:cNvPr id="1028" name="Picture 4" descr="ChatGPT - Wikipedia">
+            <a:extLst>
+              <a:ext uri="{FF2B5EF4-FFF2-40B4-BE49-F238E27FC236}">
+                <a16:creationId xmlns:a16="http://schemas.microsoft.com/office/drawing/2014/main" id="{AD242515-4B3A-8A84-08B2-A6C4232593A4}"/>
+              </a:ext>
+            </a:extLst>
+          </p:cNvPr>
+          <p:cNvPicPr>
+            <a:picLocks noChangeAspect="1" noChangeArrowheads="1"/>
+          </p:cNvPicPr>
+          <p:nvPr/>
+        </p:nvPicPr>
+        <p:blipFill>
+          <a:blip r:embed="rId4" cstate="print">
+            <a:extLst>
+              <a:ext uri="{28A0092B-C50C-407E-A947-70E740481C1C}">
+                <a14:useLocalDpi xmlns:a14="http://schemas.microsoft.com/office/drawing/2010/main" val="0"/>
+              </a:ext>
+            </a:extLst>
+          </a:blip>
+          <a:srcRect/>
+          <a:stretch>
+            <a:fillRect/>
+          </a:stretch>
+        </p:blipFill>
+        <p:spPr bwMode="auto">
+          <a:xfrm>
+            <a:off x="1055440" y="2783084"/>
+            <a:ext cx="3140968" cy="3140968"/>
+          </a:xfrm>
+          <a:prstGeom prst="rect">
+            <a:avLst/>
+          </a:prstGeom>
+          <a:noFill/>
+          <a:extLst>
+            <a:ext uri="{909E8E84-426E-40DD-AFC4-6F175D3DCCD1}">
+              <a14:hiddenFill xmlns:a14="http://schemas.microsoft.com/office/drawing/2010/main">
+                <a:solidFill>
+                  <a:srgbClr val="FFFFFF"/>
+                </a:solidFill>
+              </a14:hiddenFill>
+            </a:ext>
+          </a:extLst>
+        </p:spPr>
+      </p:pic>
+    </p:spTree>
+    <p:extLst>
+      <p:ext uri="{BB962C8B-B14F-4D97-AF65-F5344CB8AC3E}">
+        <p14:creationId xmlns:p14="http://schemas.microsoft.com/office/powerpoint/2010/main" val="3438323971"/>
+      </p:ext>
+    </p:extLst>
+  </p:cSld>
+  <p:clrMapOvr>
+    <a:masterClrMapping/>
+  </p:clrMapOvr>
+</p:sld>
+</file>
+
+<file path=ppt/slides/slide15.xml><?xml version="1.0" encoding="utf-8"?>
+<p:sld xmlns:a="http://schemas.openxmlformats.org/drawingml/2006/main" xmlns:r="http://schemas.openxmlformats.org/officeDocument/2006/relationships" xmlns:p="http://schemas.openxmlformats.org/presentationml/2006/main">
+  <p:cSld>
+    <p:spTree>
+      <p:nvGrpSpPr>
+        <p:cNvPr id="1" name=""/>
+        <p:cNvGrpSpPr/>
+        <p:nvPr/>
+      </p:nvGrpSpPr>
+      <p:grpSpPr>
+        <a:xfrm>
+          <a:off x="0" y="0"/>
+          <a:ext cx="0" cy="0"/>
+          <a:chOff x="0" y="0"/>
+          <a:chExt cx="0" cy="0"/>
+        </a:xfrm>
+      </p:grpSpPr>
+      <p:sp>
+        <p:nvSpPr>
+          <p:cNvPr id="2" name="Title 1">
+            <a:extLst>
+              <a:ext uri="{FF2B5EF4-FFF2-40B4-BE49-F238E27FC236}">
                 <a16:creationId xmlns:a16="http://schemas.microsoft.com/office/drawing/2014/main" id="{608DE9C4-F6BA-4675-81A0-CF482A5B61DB}"/>
               </a:ext>
             </a:extLst>
@@ -5037,7 +5303,7 @@
 </p:sld>
 </file>
 
-<file path=ppt/slides/slide15.xml><?xml version="1.0" encoding="utf-8"?>
+<file path=ppt/slides/slide16.xml><?xml version="1.0" encoding="utf-8"?>
 <p:sld xmlns:a="http://schemas.openxmlformats.org/drawingml/2006/main" xmlns:r="http://schemas.openxmlformats.org/officeDocument/2006/relationships" xmlns:p="http://schemas.openxmlformats.org/presentationml/2006/main">
   <p:cSld>
     <p:spTree>
@@ -5558,9 +5824,16 @@
             <p:ph type="title"/>
           </p:nvPr>
         </p:nvSpPr>
-        <p:spPr/>
-        <p:txBody>
-          <a:bodyPr/>
+        <p:spPr>
+          <a:xfrm>
+            <a:off x="1524000" y="457200"/>
+            <a:ext cx="9144000" cy="1143000"/>
+          </a:xfrm>
+        </p:spPr>
+        <p:txBody>
+          <a:bodyPr anchor="b">
+            <a:normAutofit/>
+          </a:bodyPr>
           <a:lstStyle/>
           <a:p>
             <a:r>
@@ -5570,67 +5843,12 @@
           </a:p>
         </p:txBody>
       </p:sp>
-      <p:sp>
-        <p:nvSpPr>
-          <p:cNvPr id="3" name="Content Placeholder 2">
+      <p:pic>
+        <p:nvPicPr>
+          <p:cNvPr id="5" name="Picture 4">
             <a:extLst>
               <a:ext uri="{FF2B5EF4-FFF2-40B4-BE49-F238E27FC236}">
-                <a16:creationId xmlns:a16="http://schemas.microsoft.com/office/drawing/2014/main" id="{D1FCE57F-BEAA-4F48-8451-51EB7E683061}"/>
-              </a:ext>
-            </a:extLst>
-          </p:cNvPr>
-          <p:cNvSpPr>
-            <a:spLocks noGrp="1"/>
-          </p:cNvSpPr>
-          <p:nvPr>
-            <p:ph idx="1"/>
-          </p:nvPr>
-        </p:nvSpPr>
-        <p:spPr/>
-        <p:txBody>
-          <a:bodyPr/>
-          <a:lstStyle/>
-          <a:p>
-            <a:r>
-              <a:rPr lang="en-AU" dirty="0"/>
-              <a:t>Go to </a:t>
-            </a:r>
-            <a:r>
-              <a:rPr lang="en-AU" dirty="0">
-                <a:hlinkClick r:id="rId2"/>
-              </a:rPr>
-              <a:t>https://www.anaconda.com/products/individual</a:t>
-            </a:r>
-            <a:r>
-              <a:rPr lang="en-AU" dirty="0"/>
-              <a:t> and grab the Python 3.9 Version</a:t>
-            </a:r>
-          </a:p>
-          <a:p>
-            <a:pPr lvl="1"/>
-            <a:r>
-              <a:rPr lang="en-AU" dirty="0"/>
-              <a:t>(Python 3 and Python 2 are mildly different versions of Python – we will focus on ‘3’ but you will see some things written for 2 in the wild!)</a:t>
-            </a:r>
-          </a:p>
-          <a:p>
-            <a:pPr lvl="1"/>
-            <a:endParaRPr lang="en-AU" dirty="0"/>
-          </a:p>
-          <a:p>
-            <a:r>
-              <a:rPr lang="en-AU" dirty="0"/>
-              <a:t>Once it’s downloaded, open ‘Anaconda Navigator’ – this is going to be your main hub page for Anaconda!</a:t>
-            </a:r>
-          </a:p>
-        </p:txBody>
-      </p:sp>
-      <p:pic>
-        <p:nvPicPr>
-          <p:cNvPr id="6" name="Picture 5">
-            <a:extLst>
-              <a:ext uri="{FF2B5EF4-FFF2-40B4-BE49-F238E27FC236}">
-                <a16:creationId xmlns:a16="http://schemas.microsoft.com/office/drawing/2014/main" id="{AB3FDE43-E7EC-4FBC-B85D-F45BD30770E5}"/>
+                <a16:creationId xmlns:a16="http://schemas.microsoft.com/office/drawing/2014/main" id="{EB3FE9F7-0965-7733-E615-EF1AC56C613E}"/>
               </a:ext>
             </a:extLst>
           </p:cNvPr>
@@ -5640,21 +5858,84 @@
           <p:nvPr/>
         </p:nvPicPr>
         <p:blipFill>
-          <a:blip r:embed="rId3"/>
+          <a:blip r:embed="rId2"/>
           <a:stretch>
             <a:fillRect/>
           </a:stretch>
         </p:blipFill>
         <p:spPr>
           <a:xfrm>
-            <a:off x="2975992" y="4293096"/>
-            <a:ext cx="6240016" cy="2383964"/>
+            <a:off x="304583" y="2498480"/>
+            <a:ext cx="5791417" cy="2924664"/>
           </a:xfrm>
           <a:prstGeom prst="rect">
             <a:avLst/>
           </a:prstGeom>
+          <a:noFill/>
         </p:spPr>
       </p:pic>
+      <p:sp>
+        <p:nvSpPr>
+          <p:cNvPr id="3" name="Content Placeholder 2">
+            <a:extLst>
+              <a:ext uri="{FF2B5EF4-FFF2-40B4-BE49-F238E27FC236}">
+                <a16:creationId xmlns:a16="http://schemas.microsoft.com/office/drawing/2014/main" id="{D1FCE57F-BEAA-4F48-8451-51EB7E683061}"/>
+              </a:ext>
+            </a:extLst>
+          </p:cNvPr>
+          <p:cNvSpPr>
+            <a:spLocks noGrp="1"/>
+          </p:cNvSpPr>
+          <p:nvPr>
+            <p:ph sz="half" idx="2"/>
+          </p:nvPr>
+        </p:nvSpPr>
+        <p:spPr>
+          <a:xfrm>
+            <a:off x="6324600" y="1825625"/>
+            <a:ext cx="5316016" cy="4270375"/>
+          </a:xfrm>
+        </p:spPr>
+        <p:txBody>
+          <a:bodyPr>
+            <a:normAutofit/>
+          </a:bodyPr>
+          <a:lstStyle/>
+          <a:p>
+            <a:r>
+              <a:rPr lang="en-AU" dirty="0"/>
+              <a:t>Go to </a:t>
+            </a:r>
+            <a:r>
+              <a:rPr lang="en-AU" dirty="0">
+                <a:hlinkClick r:id="rId3"/>
+              </a:rPr>
+              <a:t>https://www.anaconda.com/download</a:t>
+            </a:r>
+            <a:r>
+              <a:rPr lang="en-AU" dirty="0"/>
+              <a:t> and grab the Python 3.11 Version</a:t>
+            </a:r>
+          </a:p>
+          <a:p>
+            <a:pPr lvl="1"/>
+            <a:r>
+              <a:rPr lang="en-AU" sz="2000" dirty="0"/>
+              <a:t>(Python 3 and Python 2 are mildly different versions of Python – we will focus on ‘3’ but you will see some things written for 2 in the wild!)</a:t>
+            </a:r>
+          </a:p>
+          <a:p>
+            <a:pPr lvl="1"/>
+            <a:endParaRPr lang="en-AU" sz="2000" dirty="0"/>
+          </a:p>
+          <a:p>
+            <a:r>
+              <a:rPr lang="en-AU" dirty="0"/>
+              <a:t>Once it’s downloaded, open ‘Anaconda Navigator’ – this is going to be your main hub page for Anaconda!</a:t>
+            </a:r>
+          </a:p>
+        </p:txBody>
+      </p:sp>
     </p:spTree>
     <p:extLst>
       <p:ext uri="{BB962C8B-B14F-4D97-AF65-F5344CB8AC3E}">
@@ -5737,7 +6018,7 @@
         <p:spPr>
           <a:xfrm>
             <a:off x="1524000" y="1052736"/>
-            <a:ext cx="9144000" cy="5043264"/>
+            <a:ext cx="9144000" cy="4176464"/>
           </a:xfrm>
         </p:spPr>
         <p:txBody>
@@ -7490,12 +7771,129 @@
 </file>
 
 <file path=customXml/item1.xml><?xml version="1.0" encoding="utf-8"?>
-<?mso-contentType ?>
-<FormTemplates xmlns="http://schemas.microsoft.com/sharepoint/v3/contenttype/forms">
-  <Display>DocumentLibraryForm</Display>
-  <Edit>AssetEditForm</Edit>
-  <New>DocumentLibraryForm</New>
-</FormTemplates>
+<p:properties xmlns:p="http://schemas.microsoft.com/office/2006/metadata/properties" xmlns:xsi="http://www.w3.org/2001/XMLSchema-instance" xmlns:pc="http://schemas.microsoft.com/office/infopath/2007/PartnerControls">
+  <documentManagement>
+    <DirectSourceMarket xmlns="4873beb7-5857-4685-be1f-d57550cc96cc" xsi:nil="true"/>
+    <ApprovalStatus xmlns="4873beb7-5857-4685-be1f-d57550cc96cc">InProgress</ApprovalStatus>
+    <MarketSpecific xmlns="4873beb7-5857-4685-be1f-d57550cc96cc">false</MarketSpecific>
+    <LocComments xmlns="4873beb7-5857-4685-be1f-d57550cc96cc" xsi:nil="true"/>
+    <ThumbnailAssetId xmlns="4873beb7-5857-4685-be1f-d57550cc96cc" xsi:nil="true"/>
+    <PrimaryImageGen xmlns="4873beb7-5857-4685-be1f-d57550cc96cc">true</PrimaryImageGen>
+    <LegacyData xmlns="4873beb7-5857-4685-be1f-d57550cc96cc" xsi:nil="true"/>
+    <LocRecommendedHandoff xmlns="4873beb7-5857-4685-be1f-d57550cc96cc" xsi:nil="true"/>
+    <BusinessGroup xmlns="4873beb7-5857-4685-be1f-d57550cc96cc" xsi:nil="true"/>
+    <BlockPublish xmlns="4873beb7-5857-4685-be1f-d57550cc96cc">false</BlockPublish>
+    <TPFriendlyName xmlns="4873beb7-5857-4685-be1f-d57550cc96cc" xsi:nil="true"/>
+    <NumericId xmlns="4873beb7-5857-4685-be1f-d57550cc96cc" xsi:nil="true"/>
+    <APEditor xmlns="4873beb7-5857-4685-be1f-d57550cc96cc">
+      <UserInfo>
+        <DisplayName/>
+        <AccountId xsi:nil="true"/>
+        <AccountType/>
+      </UserInfo>
+    </APEditor>
+    <SourceTitle xmlns="4873beb7-5857-4685-be1f-d57550cc96cc" xsi:nil="true"/>
+    <OpenTemplate xmlns="4873beb7-5857-4685-be1f-d57550cc96cc">true</OpenTemplate>
+    <UALocComments xmlns="4873beb7-5857-4685-be1f-d57550cc96cc" xsi:nil="true"/>
+    <ParentAssetId xmlns="4873beb7-5857-4685-be1f-d57550cc96cc" xsi:nil="true"/>
+    <IntlLangReviewDate xmlns="4873beb7-5857-4685-be1f-d57550cc96cc" xsi:nil="true"/>
+    <FeatureTagsTaxHTField0 xmlns="4873beb7-5857-4685-be1f-d57550cc96cc">
+      <Terms xmlns="http://schemas.microsoft.com/office/infopath/2007/PartnerControls"/>
+    </FeatureTagsTaxHTField0>
+    <PublishStatusLookup xmlns="4873beb7-5857-4685-be1f-d57550cc96cc">
+      <Value>1566889</Value>
+    </PublishStatusLookup>
+    <Providers xmlns="4873beb7-5857-4685-be1f-d57550cc96cc" xsi:nil="true"/>
+    <MachineTranslated xmlns="4873beb7-5857-4685-be1f-d57550cc96cc">false</MachineTranslated>
+    <OriginalSourceMarket xmlns="4873beb7-5857-4685-be1f-d57550cc96cc" xsi:nil="true"/>
+    <APDescription xmlns="4873beb7-5857-4685-be1f-d57550cc96cc" xsi:nil="true"/>
+    <ClipArtFilename xmlns="4873beb7-5857-4685-be1f-d57550cc96cc" xsi:nil="true"/>
+    <ContentItem xmlns="4873beb7-5857-4685-be1f-d57550cc96cc" xsi:nil="true"/>
+    <TPInstallLocation xmlns="4873beb7-5857-4685-be1f-d57550cc96cc" xsi:nil="true"/>
+    <PublishTargets xmlns="4873beb7-5857-4685-be1f-d57550cc96cc">OfficeOnlineVNext</PublishTargets>
+    <TimesCloned xmlns="4873beb7-5857-4685-be1f-d57550cc96cc" xsi:nil="true"/>
+    <AssetStart xmlns="4873beb7-5857-4685-be1f-d57550cc96cc">2012-05-23T08:44:00+00:00</AssetStart>
+    <Provider xmlns="4873beb7-5857-4685-be1f-d57550cc96cc" xsi:nil="true"/>
+    <AcquiredFrom xmlns="4873beb7-5857-4685-be1f-d57550cc96cc">Internal MS</AcquiredFrom>
+    <FriendlyTitle xmlns="4873beb7-5857-4685-be1f-d57550cc96cc" xsi:nil="true"/>
+    <LastHandOff xmlns="4873beb7-5857-4685-be1f-d57550cc96cc" xsi:nil="true"/>
+    <TPClientViewer xmlns="4873beb7-5857-4685-be1f-d57550cc96cc" xsi:nil="true"/>
+    <UACurrentWords xmlns="4873beb7-5857-4685-be1f-d57550cc96cc" xsi:nil="true"/>
+    <ArtSampleDocs xmlns="4873beb7-5857-4685-be1f-d57550cc96cc" xsi:nil="true"/>
+    <UALocRecommendation xmlns="4873beb7-5857-4685-be1f-d57550cc96cc">Localize</UALocRecommendation>
+    <Manager xmlns="4873beb7-5857-4685-be1f-d57550cc96cc" xsi:nil="true"/>
+    <ShowIn xmlns="4873beb7-5857-4685-be1f-d57550cc96cc">Show everywhere</ShowIn>
+    <UANotes xmlns="4873beb7-5857-4685-be1f-d57550cc96cc" xsi:nil="true"/>
+    <TemplateStatus xmlns="4873beb7-5857-4685-be1f-d57550cc96cc">Complete</TemplateStatus>
+    <InternalTagsTaxHTField0 xmlns="4873beb7-5857-4685-be1f-d57550cc96cc">
+      <Terms xmlns="http://schemas.microsoft.com/office/infopath/2007/PartnerControls"/>
+    </InternalTagsTaxHTField0>
+    <CSXHash xmlns="4873beb7-5857-4685-be1f-d57550cc96cc" xsi:nil="true"/>
+    <Downloads xmlns="4873beb7-5857-4685-be1f-d57550cc96cc">0</Downloads>
+    <VoteCount xmlns="4873beb7-5857-4685-be1f-d57550cc96cc" xsi:nil="true"/>
+    <OOCacheId xmlns="4873beb7-5857-4685-be1f-d57550cc96cc" xsi:nil="true"/>
+    <IsDeleted xmlns="4873beb7-5857-4685-be1f-d57550cc96cc">false</IsDeleted>
+    <AssetExpire xmlns="4873beb7-5857-4685-be1f-d57550cc96cc">2029-01-01T08:00:00+00:00</AssetExpire>
+    <DSATActionTaken xmlns="4873beb7-5857-4685-be1f-d57550cc96cc" xsi:nil="true"/>
+    <CSXSubmissionMarket xmlns="4873beb7-5857-4685-be1f-d57550cc96cc" xsi:nil="true"/>
+    <TPExecutable xmlns="4873beb7-5857-4685-be1f-d57550cc96cc" xsi:nil="true"/>
+    <SubmitterId xmlns="4873beb7-5857-4685-be1f-d57550cc96cc" xsi:nil="true"/>
+    <EditorialTags xmlns="4873beb7-5857-4685-be1f-d57550cc96cc" xsi:nil="true"/>
+    <ApprovalLog xmlns="4873beb7-5857-4685-be1f-d57550cc96cc" xsi:nil="true"/>
+    <AssetType xmlns="4873beb7-5857-4685-be1f-d57550cc96cc">TP</AssetType>
+    <BugNumber xmlns="4873beb7-5857-4685-be1f-d57550cc96cc" xsi:nil="true"/>
+    <CSXSubmissionDate xmlns="4873beb7-5857-4685-be1f-d57550cc96cc" xsi:nil="true"/>
+    <CSXUpdate xmlns="4873beb7-5857-4685-be1f-d57550cc96cc">false</CSXUpdate>
+    <Milestone xmlns="4873beb7-5857-4685-be1f-d57550cc96cc" xsi:nil="true"/>
+    <RecommendationsModifier xmlns="4873beb7-5857-4685-be1f-d57550cc96cc" xsi:nil="true"/>
+    <OriginAsset xmlns="4873beb7-5857-4685-be1f-d57550cc96cc" xsi:nil="true"/>
+    <TPComponent xmlns="4873beb7-5857-4685-be1f-d57550cc96cc" xsi:nil="true"/>
+    <AssetId xmlns="4873beb7-5857-4685-be1f-d57550cc96cc">TP102901017</AssetId>
+    <IntlLocPriority xmlns="4873beb7-5857-4685-be1f-d57550cc96cc" xsi:nil="true"/>
+    <PolicheckWords xmlns="4873beb7-5857-4685-be1f-d57550cc96cc" xsi:nil="true"/>
+    <TPLaunchHelpLink xmlns="4873beb7-5857-4685-be1f-d57550cc96cc" xsi:nil="true"/>
+    <TPApplication xmlns="4873beb7-5857-4685-be1f-d57550cc96cc" xsi:nil="true"/>
+    <CrawlForDependencies xmlns="4873beb7-5857-4685-be1f-d57550cc96cc">false</CrawlForDependencies>
+    <HandoffToMSDN xmlns="4873beb7-5857-4685-be1f-d57550cc96cc" xsi:nil="true"/>
+    <PlannedPubDate xmlns="4873beb7-5857-4685-be1f-d57550cc96cc" xsi:nil="true"/>
+    <IntlLangReviewer xmlns="4873beb7-5857-4685-be1f-d57550cc96cc" xsi:nil="true"/>
+    <TrustLevel xmlns="4873beb7-5857-4685-be1f-d57550cc96cc">1 Microsoft Managed Content</TrustLevel>
+    <LocLastLocAttemptVersionLookup xmlns="4873beb7-5857-4685-be1f-d57550cc96cc">836753</LocLastLocAttemptVersionLookup>
+    <IsSearchable xmlns="4873beb7-5857-4685-be1f-d57550cc96cc">true</IsSearchable>
+    <TemplateTemplateType xmlns="4873beb7-5857-4685-be1f-d57550cc96cc">PowerPoint Design Template</TemplateTemplateType>
+    <CampaignTagsTaxHTField0 xmlns="4873beb7-5857-4685-be1f-d57550cc96cc">
+      <Terms xmlns="http://schemas.microsoft.com/office/infopath/2007/PartnerControls"/>
+    </CampaignTagsTaxHTField0>
+    <TPNamespace xmlns="4873beb7-5857-4685-be1f-d57550cc96cc" xsi:nil="true"/>
+    <TaxCatchAll xmlns="4873beb7-5857-4685-be1f-d57550cc96cc"/>
+    <Markets xmlns="4873beb7-5857-4685-be1f-d57550cc96cc"/>
+    <UAProjectedTotalWords xmlns="4873beb7-5857-4685-be1f-d57550cc96cc" xsi:nil="true"/>
+    <IntlLangReview xmlns="4873beb7-5857-4685-be1f-d57550cc96cc">false</IntlLangReview>
+    <OutputCachingOn xmlns="4873beb7-5857-4685-be1f-d57550cc96cc">false</OutputCachingOn>
+    <AverageRating xmlns="4873beb7-5857-4685-be1f-d57550cc96cc" xsi:nil="true"/>
+    <APAuthor xmlns="4873beb7-5857-4685-be1f-d57550cc96cc">
+      <UserInfo>
+        <DisplayName>REDMOND\v-anij</DisplayName>
+        <AccountId>2469</AccountId>
+        <AccountType/>
+      </UserInfo>
+    </APAuthor>
+    <LocManualTestRequired xmlns="4873beb7-5857-4685-be1f-d57550cc96cc">false</LocManualTestRequired>
+    <TPCommandLine xmlns="4873beb7-5857-4685-be1f-d57550cc96cc" xsi:nil="true"/>
+    <TPAppVersion xmlns="4873beb7-5857-4685-be1f-d57550cc96cc" xsi:nil="true"/>
+    <EditorialStatus xmlns="4873beb7-5857-4685-be1f-d57550cc96cc">Complete</EditorialStatus>
+    <LastModifiedDateTime xmlns="4873beb7-5857-4685-be1f-d57550cc96cc" xsi:nil="true"/>
+    <ScenarioTagsTaxHTField0 xmlns="4873beb7-5857-4685-be1f-d57550cc96cc">
+      <Terms xmlns="http://schemas.microsoft.com/office/infopath/2007/PartnerControls"/>
+    </ScenarioTagsTaxHTField0>
+    <OriginalRelease xmlns="4873beb7-5857-4685-be1f-d57550cc96cc">15</OriginalRelease>
+    <TPLaunchHelpLinkType xmlns="4873beb7-5857-4685-be1f-d57550cc96cc">Template</TPLaunchHelpLinkType>
+    <LocalizationTagsTaxHTField0 xmlns="4873beb7-5857-4685-be1f-d57550cc96cc">
+      <Terms xmlns="http://schemas.microsoft.com/office/infopath/2007/PartnerControls"/>
+    </LocalizationTagsTaxHTField0>
+    <LocMarketGroupTiers2 xmlns="4873beb7-5857-4685-be1f-d57550cc96cc" xsi:nil="true"/>
+  </documentManagement>
+</p:properties>
 </file>
 
 <file path=customXml/item2.xml><?xml version="1.0" encoding="utf-8"?>
@@ -8539,135 +8937,26 @@
 </file>
 
 <file path=customXml/item3.xml><?xml version="1.0" encoding="utf-8"?>
-<p:properties xmlns:p="http://schemas.microsoft.com/office/2006/metadata/properties" xmlns:xsi="http://www.w3.org/2001/XMLSchema-instance" xmlns:pc="http://schemas.microsoft.com/office/infopath/2007/PartnerControls">
-  <documentManagement>
-    <DirectSourceMarket xmlns="4873beb7-5857-4685-be1f-d57550cc96cc" xsi:nil="true"/>
-    <ApprovalStatus xmlns="4873beb7-5857-4685-be1f-d57550cc96cc">InProgress</ApprovalStatus>
-    <MarketSpecific xmlns="4873beb7-5857-4685-be1f-d57550cc96cc">false</MarketSpecific>
-    <LocComments xmlns="4873beb7-5857-4685-be1f-d57550cc96cc" xsi:nil="true"/>
-    <ThumbnailAssetId xmlns="4873beb7-5857-4685-be1f-d57550cc96cc" xsi:nil="true"/>
-    <PrimaryImageGen xmlns="4873beb7-5857-4685-be1f-d57550cc96cc">true</PrimaryImageGen>
-    <LegacyData xmlns="4873beb7-5857-4685-be1f-d57550cc96cc" xsi:nil="true"/>
-    <LocRecommendedHandoff xmlns="4873beb7-5857-4685-be1f-d57550cc96cc" xsi:nil="true"/>
-    <BusinessGroup xmlns="4873beb7-5857-4685-be1f-d57550cc96cc" xsi:nil="true"/>
-    <BlockPublish xmlns="4873beb7-5857-4685-be1f-d57550cc96cc">false</BlockPublish>
-    <TPFriendlyName xmlns="4873beb7-5857-4685-be1f-d57550cc96cc" xsi:nil="true"/>
-    <NumericId xmlns="4873beb7-5857-4685-be1f-d57550cc96cc" xsi:nil="true"/>
-    <APEditor xmlns="4873beb7-5857-4685-be1f-d57550cc96cc">
-      <UserInfo>
-        <DisplayName/>
-        <AccountId xsi:nil="true"/>
-        <AccountType/>
-      </UserInfo>
-    </APEditor>
-    <SourceTitle xmlns="4873beb7-5857-4685-be1f-d57550cc96cc" xsi:nil="true"/>
-    <OpenTemplate xmlns="4873beb7-5857-4685-be1f-d57550cc96cc">true</OpenTemplate>
-    <UALocComments xmlns="4873beb7-5857-4685-be1f-d57550cc96cc" xsi:nil="true"/>
-    <ParentAssetId xmlns="4873beb7-5857-4685-be1f-d57550cc96cc" xsi:nil="true"/>
-    <IntlLangReviewDate xmlns="4873beb7-5857-4685-be1f-d57550cc96cc" xsi:nil="true"/>
-    <FeatureTagsTaxHTField0 xmlns="4873beb7-5857-4685-be1f-d57550cc96cc">
-      <Terms xmlns="http://schemas.microsoft.com/office/infopath/2007/PartnerControls"/>
-    </FeatureTagsTaxHTField0>
-    <PublishStatusLookup xmlns="4873beb7-5857-4685-be1f-d57550cc96cc">
-      <Value>1566889</Value>
-    </PublishStatusLookup>
-    <Providers xmlns="4873beb7-5857-4685-be1f-d57550cc96cc" xsi:nil="true"/>
-    <MachineTranslated xmlns="4873beb7-5857-4685-be1f-d57550cc96cc">false</MachineTranslated>
-    <OriginalSourceMarket xmlns="4873beb7-5857-4685-be1f-d57550cc96cc" xsi:nil="true"/>
-    <APDescription xmlns="4873beb7-5857-4685-be1f-d57550cc96cc" xsi:nil="true"/>
-    <ClipArtFilename xmlns="4873beb7-5857-4685-be1f-d57550cc96cc" xsi:nil="true"/>
-    <ContentItem xmlns="4873beb7-5857-4685-be1f-d57550cc96cc" xsi:nil="true"/>
-    <TPInstallLocation xmlns="4873beb7-5857-4685-be1f-d57550cc96cc" xsi:nil="true"/>
-    <PublishTargets xmlns="4873beb7-5857-4685-be1f-d57550cc96cc">OfficeOnlineVNext</PublishTargets>
-    <TimesCloned xmlns="4873beb7-5857-4685-be1f-d57550cc96cc" xsi:nil="true"/>
-    <AssetStart xmlns="4873beb7-5857-4685-be1f-d57550cc96cc">2012-05-23T08:44:00+00:00</AssetStart>
-    <Provider xmlns="4873beb7-5857-4685-be1f-d57550cc96cc" xsi:nil="true"/>
-    <AcquiredFrom xmlns="4873beb7-5857-4685-be1f-d57550cc96cc">Internal MS</AcquiredFrom>
-    <FriendlyTitle xmlns="4873beb7-5857-4685-be1f-d57550cc96cc" xsi:nil="true"/>
-    <LastHandOff xmlns="4873beb7-5857-4685-be1f-d57550cc96cc" xsi:nil="true"/>
-    <TPClientViewer xmlns="4873beb7-5857-4685-be1f-d57550cc96cc" xsi:nil="true"/>
-    <UACurrentWords xmlns="4873beb7-5857-4685-be1f-d57550cc96cc" xsi:nil="true"/>
-    <ArtSampleDocs xmlns="4873beb7-5857-4685-be1f-d57550cc96cc" xsi:nil="true"/>
-    <UALocRecommendation xmlns="4873beb7-5857-4685-be1f-d57550cc96cc">Localize</UALocRecommendation>
-    <Manager xmlns="4873beb7-5857-4685-be1f-d57550cc96cc" xsi:nil="true"/>
-    <ShowIn xmlns="4873beb7-5857-4685-be1f-d57550cc96cc">Show everywhere</ShowIn>
-    <UANotes xmlns="4873beb7-5857-4685-be1f-d57550cc96cc" xsi:nil="true"/>
-    <TemplateStatus xmlns="4873beb7-5857-4685-be1f-d57550cc96cc">Complete</TemplateStatus>
-    <InternalTagsTaxHTField0 xmlns="4873beb7-5857-4685-be1f-d57550cc96cc">
-      <Terms xmlns="http://schemas.microsoft.com/office/infopath/2007/PartnerControls"/>
-    </InternalTagsTaxHTField0>
-    <CSXHash xmlns="4873beb7-5857-4685-be1f-d57550cc96cc" xsi:nil="true"/>
-    <Downloads xmlns="4873beb7-5857-4685-be1f-d57550cc96cc">0</Downloads>
-    <VoteCount xmlns="4873beb7-5857-4685-be1f-d57550cc96cc" xsi:nil="true"/>
-    <OOCacheId xmlns="4873beb7-5857-4685-be1f-d57550cc96cc" xsi:nil="true"/>
-    <IsDeleted xmlns="4873beb7-5857-4685-be1f-d57550cc96cc">false</IsDeleted>
-    <AssetExpire xmlns="4873beb7-5857-4685-be1f-d57550cc96cc">2029-01-01T08:00:00+00:00</AssetExpire>
-    <DSATActionTaken xmlns="4873beb7-5857-4685-be1f-d57550cc96cc" xsi:nil="true"/>
-    <CSXSubmissionMarket xmlns="4873beb7-5857-4685-be1f-d57550cc96cc" xsi:nil="true"/>
-    <TPExecutable xmlns="4873beb7-5857-4685-be1f-d57550cc96cc" xsi:nil="true"/>
-    <SubmitterId xmlns="4873beb7-5857-4685-be1f-d57550cc96cc" xsi:nil="true"/>
-    <EditorialTags xmlns="4873beb7-5857-4685-be1f-d57550cc96cc" xsi:nil="true"/>
-    <ApprovalLog xmlns="4873beb7-5857-4685-be1f-d57550cc96cc" xsi:nil="true"/>
-    <AssetType xmlns="4873beb7-5857-4685-be1f-d57550cc96cc">TP</AssetType>
-    <BugNumber xmlns="4873beb7-5857-4685-be1f-d57550cc96cc" xsi:nil="true"/>
-    <CSXSubmissionDate xmlns="4873beb7-5857-4685-be1f-d57550cc96cc" xsi:nil="true"/>
-    <CSXUpdate xmlns="4873beb7-5857-4685-be1f-d57550cc96cc">false</CSXUpdate>
-    <Milestone xmlns="4873beb7-5857-4685-be1f-d57550cc96cc" xsi:nil="true"/>
-    <RecommendationsModifier xmlns="4873beb7-5857-4685-be1f-d57550cc96cc" xsi:nil="true"/>
-    <OriginAsset xmlns="4873beb7-5857-4685-be1f-d57550cc96cc" xsi:nil="true"/>
-    <TPComponent xmlns="4873beb7-5857-4685-be1f-d57550cc96cc" xsi:nil="true"/>
-    <AssetId xmlns="4873beb7-5857-4685-be1f-d57550cc96cc">TP102901017</AssetId>
-    <IntlLocPriority xmlns="4873beb7-5857-4685-be1f-d57550cc96cc" xsi:nil="true"/>
-    <PolicheckWords xmlns="4873beb7-5857-4685-be1f-d57550cc96cc" xsi:nil="true"/>
-    <TPLaunchHelpLink xmlns="4873beb7-5857-4685-be1f-d57550cc96cc" xsi:nil="true"/>
-    <TPApplication xmlns="4873beb7-5857-4685-be1f-d57550cc96cc" xsi:nil="true"/>
-    <CrawlForDependencies xmlns="4873beb7-5857-4685-be1f-d57550cc96cc">false</CrawlForDependencies>
-    <HandoffToMSDN xmlns="4873beb7-5857-4685-be1f-d57550cc96cc" xsi:nil="true"/>
-    <PlannedPubDate xmlns="4873beb7-5857-4685-be1f-d57550cc96cc" xsi:nil="true"/>
-    <IntlLangReviewer xmlns="4873beb7-5857-4685-be1f-d57550cc96cc" xsi:nil="true"/>
-    <TrustLevel xmlns="4873beb7-5857-4685-be1f-d57550cc96cc">1 Microsoft Managed Content</TrustLevel>
-    <LocLastLocAttemptVersionLookup xmlns="4873beb7-5857-4685-be1f-d57550cc96cc">836753</LocLastLocAttemptVersionLookup>
-    <IsSearchable xmlns="4873beb7-5857-4685-be1f-d57550cc96cc">true</IsSearchable>
-    <TemplateTemplateType xmlns="4873beb7-5857-4685-be1f-d57550cc96cc">PowerPoint Design Template</TemplateTemplateType>
-    <CampaignTagsTaxHTField0 xmlns="4873beb7-5857-4685-be1f-d57550cc96cc">
-      <Terms xmlns="http://schemas.microsoft.com/office/infopath/2007/PartnerControls"/>
-    </CampaignTagsTaxHTField0>
-    <TPNamespace xmlns="4873beb7-5857-4685-be1f-d57550cc96cc" xsi:nil="true"/>
-    <TaxCatchAll xmlns="4873beb7-5857-4685-be1f-d57550cc96cc"/>
-    <Markets xmlns="4873beb7-5857-4685-be1f-d57550cc96cc"/>
-    <UAProjectedTotalWords xmlns="4873beb7-5857-4685-be1f-d57550cc96cc" xsi:nil="true"/>
-    <IntlLangReview xmlns="4873beb7-5857-4685-be1f-d57550cc96cc">false</IntlLangReview>
-    <OutputCachingOn xmlns="4873beb7-5857-4685-be1f-d57550cc96cc">false</OutputCachingOn>
-    <AverageRating xmlns="4873beb7-5857-4685-be1f-d57550cc96cc" xsi:nil="true"/>
-    <APAuthor xmlns="4873beb7-5857-4685-be1f-d57550cc96cc">
-      <UserInfo>
-        <DisplayName>REDMOND\v-anij</DisplayName>
-        <AccountId>2469</AccountId>
-        <AccountType/>
-      </UserInfo>
-    </APAuthor>
-    <LocManualTestRequired xmlns="4873beb7-5857-4685-be1f-d57550cc96cc">false</LocManualTestRequired>
-    <TPCommandLine xmlns="4873beb7-5857-4685-be1f-d57550cc96cc" xsi:nil="true"/>
-    <TPAppVersion xmlns="4873beb7-5857-4685-be1f-d57550cc96cc" xsi:nil="true"/>
-    <EditorialStatus xmlns="4873beb7-5857-4685-be1f-d57550cc96cc">Complete</EditorialStatus>
-    <LastModifiedDateTime xmlns="4873beb7-5857-4685-be1f-d57550cc96cc" xsi:nil="true"/>
-    <ScenarioTagsTaxHTField0 xmlns="4873beb7-5857-4685-be1f-d57550cc96cc">
-      <Terms xmlns="http://schemas.microsoft.com/office/infopath/2007/PartnerControls"/>
-    </ScenarioTagsTaxHTField0>
-    <OriginalRelease xmlns="4873beb7-5857-4685-be1f-d57550cc96cc">15</OriginalRelease>
-    <TPLaunchHelpLinkType xmlns="4873beb7-5857-4685-be1f-d57550cc96cc">Template</TPLaunchHelpLinkType>
-    <LocalizationTagsTaxHTField0 xmlns="4873beb7-5857-4685-be1f-d57550cc96cc">
-      <Terms xmlns="http://schemas.microsoft.com/office/infopath/2007/PartnerControls"/>
-    </LocalizationTagsTaxHTField0>
-    <LocMarketGroupTiers2 xmlns="4873beb7-5857-4685-be1f-d57550cc96cc" xsi:nil="true"/>
-  </documentManagement>
-</p:properties>
+<?mso-contentType ?>
+<FormTemplates xmlns="http://schemas.microsoft.com/sharepoint/v3/contenttype/forms">
+  <Display>DocumentLibraryForm</Display>
+  <Edit>AssetEditForm</Edit>
+  <New>DocumentLibraryForm</New>
+</FormTemplates>
 </file>
 
 <file path=customXml/itemProps1.xml><?xml version="1.0" encoding="utf-8"?>
-<ds:datastoreItem xmlns:ds="http://schemas.openxmlformats.org/officeDocument/2006/customXml" ds:itemID="{746CFF6F-D9AA-4BC0-911A-0A1356771912}">
+<ds:datastoreItem xmlns:ds="http://schemas.openxmlformats.org/officeDocument/2006/customXml" ds:itemID="{04098515-0C12-46CF-BC7C-69B4A13CD5FA}">
   <ds:schemaRefs>
-    <ds:schemaRef ds:uri="http://schemas.microsoft.com/sharepoint/v3/contenttype/forms"/>
+    <ds:schemaRef ds:uri="http://schemas.microsoft.com/office/2006/documentManagement/types"/>
+    <ds:schemaRef ds:uri="http://purl.org/dc/elements/1.1/"/>
+    <ds:schemaRef ds:uri="http://schemas.microsoft.com/office/2006/metadata/properties"/>
+    <ds:schemaRef ds:uri="4873beb7-5857-4685-be1f-d57550cc96cc"/>
+    <ds:schemaRef ds:uri="http://schemas.openxmlformats.org/package/2006/metadata/core-properties"/>
+    <ds:schemaRef ds:uri="http://purl.org/dc/terms/"/>
+    <ds:schemaRef ds:uri="http://schemas.microsoft.com/office/infopath/2007/PartnerControls"/>
+    <ds:schemaRef ds:uri="http://www.w3.org/XML/1998/namespace"/>
+    <ds:schemaRef ds:uri="http://purl.org/dc/dcmitype/"/>
   </ds:schemaRefs>
 </ds:datastoreItem>
 </file>
@@ -8691,17 +8980,9 @@
 </file>
 
 <file path=customXml/itemProps3.xml><?xml version="1.0" encoding="utf-8"?>
-<ds:datastoreItem xmlns:ds="http://schemas.openxmlformats.org/officeDocument/2006/customXml" ds:itemID="{04098515-0C12-46CF-BC7C-69B4A13CD5FA}">
+<ds:datastoreItem xmlns:ds="http://schemas.openxmlformats.org/officeDocument/2006/customXml" ds:itemID="{746CFF6F-D9AA-4BC0-911A-0A1356771912}">
   <ds:schemaRefs>
-    <ds:schemaRef ds:uri="http://schemas.microsoft.com/office/2006/documentManagement/types"/>
-    <ds:schemaRef ds:uri="http://purl.org/dc/elements/1.1/"/>
-    <ds:schemaRef ds:uri="http://schemas.microsoft.com/office/2006/metadata/properties"/>
-    <ds:schemaRef ds:uri="4873beb7-5857-4685-be1f-d57550cc96cc"/>
-    <ds:schemaRef ds:uri="http://schemas.openxmlformats.org/package/2006/metadata/core-properties"/>
-    <ds:schemaRef ds:uri="http://purl.org/dc/terms/"/>
-    <ds:schemaRef ds:uri="http://schemas.microsoft.com/office/infopath/2007/PartnerControls"/>
-    <ds:schemaRef ds:uri="http://www.w3.org/XML/1998/namespace"/>
-    <ds:schemaRef ds:uri="http://purl.org/dc/dcmitype/"/>
+    <ds:schemaRef ds:uri="http://schemas.microsoft.com/sharepoint/v3/contenttype/forms"/>
   </ds:schemaRefs>
 </ds:datastoreItem>
 </file>